--- a/pres.pptx
+++ b/pres.pptx
@@ -12,6 +12,8 @@
     <p:sldId id="260" r:id="rId6"/>
     <p:sldId id="261" r:id="rId7"/>
     <p:sldId id="262" r:id="rId8"/>
+    <p:sldId id="263" r:id="rId9"/>
+    <p:sldId id="264" r:id="rId10"/>
   </p:sldIdLst>
   <p:sldSz cx="12192000" cy="6858000"/>
   <p:notesSz cx="6858000" cy="9144000"/>
@@ -122,19 +124,19 @@
 <pc:chgInfo xmlns:a="http://schemas.openxmlformats.org/drawingml/2006/main" xmlns:r="http://schemas.openxmlformats.org/officeDocument/2006/relationships" xmlns:ac="http://schemas.microsoft.com/office/drawing/2013/main/command" xmlns:pc="http://schemas.microsoft.com/office/powerpoint/2013/main/command">
   <pc:docChgLst>
     <pc:chgData name="Nick Wooldridge" userId="bf5da27057cebc20" providerId="Windows Live" clId="Web-{1D4A17A6-BCF5-4420-9920-1D12A9331420}"/>
-    <pc:docChg chg="modSld">
-      <pc:chgData name="Nick Wooldridge" userId="bf5da27057cebc20" providerId="Windows Live" clId="Web-{1D4A17A6-BCF5-4420-9920-1D12A9331420}" dt="2018-12-02T00:55:44.616" v="191" actId="20577"/>
+    <pc:docChg chg="addSld modSld">
+      <pc:chgData name="Nick Wooldridge" userId="bf5da27057cebc20" providerId="Windows Live" clId="Web-{1D4A17A6-BCF5-4420-9920-1D12A9331420}" dt="2018-12-02T01:08:20.773" v="546" actId="20577"/>
       <pc:docMkLst>
         <pc:docMk/>
       </pc:docMkLst>
       <pc:sldChg chg="modSp">
-        <pc:chgData name="Nick Wooldridge" userId="bf5da27057cebc20" providerId="Windows Live" clId="Web-{1D4A17A6-BCF5-4420-9920-1D12A9331420}" dt="2018-12-02T00:53:17.264" v="85" actId="20577"/>
+        <pc:chgData name="Nick Wooldridge" userId="bf5da27057cebc20" providerId="Windows Live" clId="Web-{1D4A17A6-BCF5-4420-9920-1D12A9331420}" dt="2018-12-02T01:08:10.616" v="539" actId="20577"/>
         <pc:sldMkLst>
           <pc:docMk/>
           <pc:sldMk cId="260529775" sldId="257"/>
         </pc:sldMkLst>
         <pc:spChg chg="mod">
-          <ac:chgData name="Nick Wooldridge" userId="bf5da27057cebc20" providerId="Windows Live" clId="Web-{1D4A17A6-BCF5-4420-9920-1D12A9331420}" dt="2018-12-02T00:53:17.264" v="85" actId="20577"/>
+          <ac:chgData name="Nick Wooldridge" userId="bf5da27057cebc20" providerId="Windows Live" clId="Web-{1D4A17A6-BCF5-4420-9920-1D12A9331420}" dt="2018-12-02T01:08:10.616" v="539" actId="20577"/>
           <ac:spMkLst>
             <pc:docMk/>
             <pc:sldMk cId="260529775" sldId="257"/>
@@ -142,12 +144,35 @@
           </ac:spMkLst>
         </pc:spChg>
       </pc:sldChg>
+      <pc:sldChg chg="modSp">
+        <pc:chgData name="Nick Wooldridge" userId="bf5da27057cebc20" providerId="Windows Live" clId="Web-{1D4A17A6-BCF5-4420-9920-1D12A9331420}" dt="2018-12-02T01:06:57.192" v="511" actId="20577"/>
+        <pc:sldMkLst>
+          <pc:docMk/>
+          <pc:sldMk cId="2571004218" sldId="258"/>
+        </pc:sldMkLst>
+        <pc:spChg chg="mod">
+          <ac:chgData name="Nick Wooldridge" userId="bf5da27057cebc20" providerId="Windows Live" clId="Web-{1D4A17A6-BCF5-4420-9920-1D12A9331420}" dt="2018-12-02T01:06:57.192" v="511" actId="20577"/>
+          <ac:spMkLst>
+            <pc:docMk/>
+            <pc:sldMk cId="2571004218" sldId="258"/>
+            <ac:spMk id="3" creationId="{7A0B4F20-B590-4182-8AAC-8C8F69A7A54E}"/>
+          </ac:spMkLst>
+        </pc:spChg>
+      </pc:sldChg>
       <pc:sldChg chg="addSp delSp modSp">
-        <pc:chgData name="Nick Wooldridge" userId="bf5da27057cebc20" providerId="Windows Live" clId="Web-{1D4A17A6-BCF5-4420-9920-1D12A9331420}" dt="2018-12-02T00:49:38.471" v="4"/>
+        <pc:chgData name="Nick Wooldridge" userId="bf5da27057cebc20" providerId="Windows Live" clId="Web-{1D4A17A6-BCF5-4420-9920-1D12A9331420}" dt="2018-12-02T01:05:25.231" v="480" actId="20577"/>
         <pc:sldMkLst>
           <pc:docMk/>
           <pc:sldMk cId="280811541" sldId="259"/>
         </pc:sldMkLst>
+        <pc:spChg chg="mod">
+          <ac:chgData name="Nick Wooldridge" userId="bf5da27057cebc20" providerId="Windows Live" clId="Web-{1D4A17A6-BCF5-4420-9920-1D12A9331420}" dt="2018-12-02T01:05:25.231" v="480" actId="20577"/>
+          <ac:spMkLst>
+            <pc:docMk/>
+            <pc:sldMk cId="280811541" sldId="259"/>
+            <ac:spMk id="2" creationId="{2793B04A-7E1E-4928-B6F2-8234627D1CEF}"/>
+          </ac:spMkLst>
+        </pc:spChg>
         <pc:picChg chg="del">
           <ac:chgData name="Nick Wooldridge" userId="bf5da27057cebc20" providerId="Windows Live" clId="Web-{1D4A17A6-BCF5-4420-9920-1D12A9331420}" dt="2018-12-02T00:49:25.642" v="0"/>
           <ac:picMkLst>
@@ -174,7 +199,7 @@
         </pc:picChg>
       </pc:sldChg>
       <pc:sldChg chg="modSp">
-        <pc:chgData name="Nick Wooldridge" userId="bf5da27057cebc20" providerId="Windows Live" clId="Web-{1D4A17A6-BCF5-4420-9920-1D12A9331420}" dt="2018-12-02T00:55:44.616" v="190" actId="20577"/>
+        <pc:chgData name="Nick Wooldridge" userId="bf5da27057cebc20" providerId="Windows Live" clId="Web-{1D4A17A6-BCF5-4420-9920-1D12A9331420}" dt="2018-12-02T00:59:37.859" v="274" actId="20577"/>
         <pc:sldMkLst>
           <pc:docMk/>
           <pc:sldMk cId="1588608100" sldId="260"/>
@@ -188,7 +213,7 @@
           </ac:spMkLst>
         </pc:spChg>
         <pc:spChg chg="mod">
-          <ac:chgData name="Nick Wooldridge" userId="bf5da27057cebc20" providerId="Windows Live" clId="Web-{1D4A17A6-BCF5-4420-9920-1D12A9331420}" dt="2018-12-02T00:55:44.616" v="190" actId="20577"/>
+          <ac:chgData name="Nick Wooldridge" userId="bf5da27057cebc20" providerId="Windows Live" clId="Web-{1D4A17A6-BCF5-4420-9920-1D12A9331420}" dt="2018-12-02T00:59:37.859" v="274" actId="20577"/>
           <ac:spMkLst>
             <pc:docMk/>
             <pc:sldMk cId="1588608100" sldId="260"/>
@@ -197,17 +222,55 @@
         </pc:spChg>
       </pc:sldChg>
       <pc:sldChg chg="modSp">
-        <pc:chgData name="Nick Wooldridge" userId="bf5da27057cebc20" providerId="Windows Live" clId="Web-{1D4A17A6-BCF5-4420-9920-1D12A9331420}" dt="2018-12-02T00:51:22.197" v="31" actId="20577"/>
+        <pc:chgData name="Nick Wooldridge" userId="bf5da27057cebc20" providerId="Windows Live" clId="Web-{1D4A17A6-BCF5-4420-9920-1D12A9331420}" dt="2018-12-02T01:05:20.387" v="477" actId="20577"/>
         <pc:sldMkLst>
           <pc:docMk/>
           <pc:sldMk cId="602111587" sldId="261"/>
         </pc:sldMkLst>
         <pc:spChg chg="mod">
-          <ac:chgData name="Nick Wooldridge" userId="bf5da27057cebc20" providerId="Windows Live" clId="Web-{1D4A17A6-BCF5-4420-9920-1D12A9331420}" dt="2018-12-02T00:51:22.197" v="31" actId="20577"/>
+          <ac:chgData name="Nick Wooldridge" userId="bf5da27057cebc20" providerId="Windows Live" clId="Web-{1D4A17A6-BCF5-4420-9920-1D12A9331420}" dt="2018-12-02T01:05:20.387" v="477" actId="20577"/>
           <ac:spMkLst>
             <pc:docMk/>
             <pc:sldMk cId="602111587" sldId="261"/>
             <ac:spMk id="2" creationId="{F4E22348-14A3-4C49-9F3C-523F605B8483}"/>
+          </ac:spMkLst>
+        </pc:spChg>
+        <pc:spChg chg="mod">
+          <ac:chgData name="Nick Wooldridge" userId="bf5da27057cebc20" providerId="Windows Live" clId="Web-{1D4A17A6-BCF5-4420-9920-1D12A9331420}" dt="2018-12-02T01:03:21.305" v="465" actId="20577"/>
+          <ac:spMkLst>
+            <pc:docMk/>
+            <pc:sldMk cId="602111587" sldId="261"/>
+            <ac:spMk id="3" creationId="{C9520D68-B2EC-4F5C-92D0-D1C7FEAADD76}"/>
+          </ac:spMkLst>
+        </pc:spChg>
+      </pc:sldChg>
+      <pc:sldChg chg="modSp new">
+        <pc:chgData name="Nick Wooldridge" userId="bf5da27057cebc20" providerId="Windows Live" clId="Web-{1D4A17A6-BCF5-4420-9920-1D12A9331420}" dt="2018-12-02T01:05:15.355" v="474" actId="20577"/>
+        <pc:sldMkLst>
+          <pc:docMk/>
+          <pc:sldMk cId="2217785399" sldId="263"/>
+        </pc:sldMkLst>
+        <pc:spChg chg="mod">
+          <ac:chgData name="Nick Wooldridge" userId="bf5da27057cebc20" providerId="Windows Live" clId="Web-{1D4A17A6-BCF5-4420-9920-1D12A9331420}" dt="2018-12-02T01:05:15.355" v="474" actId="20577"/>
+          <ac:spMkLst>
+            <pc:docMk/>
+            <pc:sldMk cId="2217785399" sldId="263"/>
+            <ac:spMk id="2" creationId="{4E41C35E-E6AA-4D9D-A3B3-F31AB58E3036}"/>
+          </ac:spMkLst>
+        </pc:spChg>
+      </pc:sldChg>
+      <pc:sldChg chg="modSp new">
+        <pc:chgData name="Nick Wooldridge" userId="bf5da27057cebc20" providerId="Windows Live" clId="Web-{1D4A17A6-BCF5-4420-9920-1D12A9331420}" dt="2018-12-02T01:08:19.679" v="544" actId="20577"/>
+        <pc:sldMkLst>
+          <pc:docMk/>
+          <pc:sldMk cId="3955580305" sldId="264"/>
+        </pc:sldMkLst>
+        <pc:spChg chg="mod">
+          <ac:chgData name="Nick Wooldridge" userId="bf5da27057cebc20" providerId="Windows Live" clId="Web-{1D4A17A6-BCF5-4420-9920-1D12A9331420}" dt="2018-12-02T01:08:19.679" v="544" actId="20577"/>
+          <ac:spMkLst>
+            <pc:docMk/>
+            <pc:sldMk cId="3955580305" sldId="264"/>
+            <ac:spMk id="2" creationId="{F7407DE0-51FD-4C6D-93B7-1051DDF1C87C}"/>
           </ac:spMkLst>
         </pc:spChg>
       </pc:sldChg>
@@ -6475,24 +6538,29 @@
           <a:bodyPr/>
           <a:lstStyle/>
           <a:p>
+            <a:pPr algn="ctr"/>
             <a:r>
               <a:rPr lang="en-US" dirty="0"/>
               <a:t>Andrew Audrain (Team Lead)</a:t>
             </a:r>
-          </a:p>
-          <a:p>
+            <a:endParaRPr lang="en-US"/>
+          </a:p>
+          <a:p>
+            <a:pPr algn="ctr"/>
             <a:r>
               <a:rPr lang="en-US" dirty="0"/>
               <a:t>Nick Wooldridge (Documentation)</a:t>
             </a:r>
           </a:p>
           <a:p>
+            <a:pPr algn="ctr"/>
             <a:r>
               <a:rPr lang="en-US" dirty="0"/>
               <a:t>Eric Goodwin (Coder)</a:t>
             </a:r>
           </a:p>
           <a:p>
+            <a:pPr algn="ctr"/>
             <a:r>
               <a:rPr lang="en-US" dirty="0"/>
               <a:t>RJ </a:t>
@@ -6507,12 +6575,14 @@
             </a:r>
           </a:p>
           <a:p>
+            <a:pPr algn="ctr"/>
             <a:r>
               <a:rPr lang="en-US" dirty="0"/>
               <a:t>Jorge Jones (QA)</a:t>
             </a:r>
           </a:p>
           <a:p>
+            <a:pPr algn="ctr"/>
             <a:endParaRPr lang="en-US" dirty="0"/>
           </a:p>
         </p:txBody>
@@ -6605,7 +6675,9 @@
           <a:noFill/>
         </p:spPr>
         <p:txBody>
-          <a:bodyPr/>
+          <a:bodyPr>
+            <a:normAutofit fontScale="92500" lnSpcReduction="20000"/>
+          </a:bodyPr>
           <a:lstStyle/>
           <a:p>
             <a:r>
@@ -6623,7 +6695,13 @@
           <a:p>
             <a:r>
               <a:rPr lang="en-US" dirty="0"/>
-              <a:t>Interesting piece of code</a:t>
+              <a:t>Complications</a:t>
+            </a:r>
+          </a:p>
+          <a:p>
+            <a:r>
+              <a:rPr lang="en-US" dirty="0"/>
+              <a:t>Interesting Implementation</a:t>
             </a:r>
           </a:p>
           <a:p>
@@ -6635,7 +6713,7 @@
           <a:p>
             <a:r>
               <a:rPr lang="en-US" dirty="0"/>
-              <a:t>Design issues and setbacks</a:t>
+              <a:t>Known issues</a:t>
             </a:r>
           </a:p>
           <a:p>
@@ -6724,10 +6802,9 @@
           <a:lstStyle/>
           <a:p>
             <a:r>
-              <a:rPr lang="en-US"/>
-              <a:t>The idea</a:t>
-            </a:r>
-            <a:endParaRPr lang="en-US" dirty="0"/>
+              <a:rPr lang="en-US" dirty="0"/>
+              <a:t>The Idea</a:t>
+            </a:r>
           </a:p>
         </p:txBody>
       </p:sp>
@@ -6897,12 +6974,29 @@
           <a:p>
             <a:pPr lvl="1"/>
             <a:r>
-              <a:rPr lang="en-US"/>
+              <a:rPr lang="en-US" dirty="0"/>
               <a:t>Added colors we needed</a:t>
             </a:r>
           </a:p>
           <a:p>
-            <a:endParaRPr lang="en-US" dirty="0"/>
+            <a:r>
+              <a:rPr lang="en-US" dirty="0"/>
+              <a:t>Difficulties creating multiple </a:t>
+            </a:r>
+            <a:r>
+              <a:rPr lang="en-US" dirty="0" err="1"/>
+              <a:t>colorfinder</a:t>
+            </a:r>
+            <a:r>
+              <a:rPr lang="en-US" dirty="0"/>
+              <a:t> objects</a:t>
+            </a:r>
+          </a:p>
+          <a:p>
+            <a:r>
+              <a:rPr lang="en-US" dirty="0"/>
+              <a:t>Difficulties with terminating and restarting</a:t>
+            </a:r>
           </a:p>
           <a:p>
             <a:endParaRPr lang="en-US" dirty="0"/>
@@ -6965,7 +7059,7 @@
           <a:p>
             <a:r>
               <a:rPr lang="en-US" dirty="0"/>
-              <a:t>Interesting </a:t>
+              <a:t>Interesting Implementation</a:t>
             </a:r>
           </a:p>
         </p:txBody>
@@ -6991,7 +7085,31 @@
           <a:bodyPr/>
           <a:lstStyle/>
           <a:p>
-            <a:endParaRPr lang="en-US"/>
+            <a:r>
+              <a:rPr lang="en-US" dirty="0"/>
+              <a:t>Insertion of HSV values to color_finder.py</a:t>
+            </a:r>
+          </a:p>
+          <a:p>
+            <a:r>
+              <a:rPr lang="en-US" dirty="0"/>
+              <a:t>Addition of colors to blocks</a:t>
+            </a:r>
+          </a:p>
+          <a:p>
+            <a:r>
+              <a:rPr lang="en-US" dirty="0"/>
+              <a:t>Development of termination condition</a:t>
+            </a:r>
+          </a:p>
+          <a:p>
+            <a:r>
+              <a:rPr lang="en-US" dirty="0"/>
+              <a:t>Two games in one</a:t>
+            </a:r>
+          </a:p>
+          <a:p>
+            <a:endParaRPr lang="en-US" dirty="0"/>
           </a:p>
         </p:txBody>
       </p:sp>
@@ -7057,6 +7175,172 @@
     <p:extLst>
       <p:ext uri="{BB962C8B-B14F-4D97-AF65-F5344CB8AC3E}">
         <p14:creationId xmlns:p14="http://schemas.microsoft.com/office/powerpoint/2010/main" val="404330210"/>
+      </p:ext>
+    </p:extLst>
+  </p:cSld>
+  <p:clrMapOvr>
+    <a:masterClrMapping/>
+  </p:clrMapOvr>
+</p:sld>
+</file>
+
+<file path=ppt/slides/slide8.xml><?xml version="1.0" encoding="utf-8"?>
+<p:sld xmlns:a="http://schemas.openxmlformats.org/drawingml/2006/main" xmlns:r="http://schemas.openxmlformats.org/officeDocument/2006/relationships" xmlns:p="http://schemas.openxmlformats.org/presentationml/2006/main">
+  <p:cSld>
+    <p:spTree>
+      <p:nvGrpSpPr>
+        <p:cNvPr id="1" name=""/>
+        <p:cNvGrpSpPr/>
+        <p:nvPr/>
+      </p:nvGrpSpPr>
+      <p:grpSpPr>
+        <a:xfrm>
+          <a:off x="0" y="0"/>
+          <a:ext cx="0" cy="0"/>
+          <a:chOff x="0" y="0"/>
+          <a:chExt cx="0" cy="0"/>
+        </a:xfrm>
+      </p:grpSpPr>
+      <p:sp>
+        <p:nvSpPr>
+          <p:cNvPr id="2" name="Title 1">
+            <a:extLst>
+              <a:ext uri="{FF2B5EF4-FFF2-40B4-BE49-F238E27FC236}">
+                <a16:creationId xmlns:a16="http://schemas.microsoft.com/office/drawing/2014/main" id="{4E41C35E-E6AA-4D9D-A3B3-F31AB58E3036}"/>
+              </a:ext>
+            </a:extLst>
+          </p:cNvPr>
+          <p:cNvSpPr>
+            <a:spLocks noGrp="1"/>
+          </p:cNvSpPr>
+          <p:nvPr>
+            <p:ph type="title"/>
+          </p:nvPr>
+        </p:nvSpPr>
+        <p:spPr/>
+        <p:txBody>
+          <a:bodyPr/>
+          <a:lstStyle/>
+          <a:p>
+            <a:r>
+              <a:rPr lang="en-US" dirty="0"/>
+              <a:t>Known Issues</a:t>
+            </a:r>
+          </a:p>
+        </p:txBody>
+      </p:sp>
+      <p:sp>
+        <p:nvSpPr>
+          <p:cNvPr id="3" name="Content Placeholder 2">
+            <a:extLst>
+              <a:ext uri="{FF2B5EF4-FFF2-40B4-BE49-F238E27FC236}">
+                <a16:creationId xmlns:a16="http://schemas.microsoft.com/office/drawing/2014/main" id="{90735A9F-B645-4678-A8BA-54D0E520DAC3}"/>
+              </a:ext>
+            </a:extLst>
+          </p:cNvPr>
+          <p:cNvSpPr>
+            <a:spLocks noGrp="1"/>
+          </p:cNvSpPr>
+          <p:nvPr>
+            <p:ph idx="1"/>
+          </p:nvPr>
+        </p:nvSpPr>
+        <p:spPr/>
+        <p:txBody>
+          <a:bodyPr/>
+          <a:lstStyle/>
+          <a:p>
+            <a:endParaRPr lang="en-US"/>
+          </a:p>
+        </p:txBody>
+      </p:sp>
+    </p:spTree>
+    <p:extLst>
+      <p:ext uri="{BB962C8B-B14F-4D97-AF65-F5344CB8AC3E}">
+        <p14:creationId xmlns:p14="http://schemas.microsoft.com/office/powerpoint/2010/main" val="2217785399"/>
+      </p:ext>
+    </p:extLst>
+  </p:cSld>
+  <p:clrMapOvr>
+    <a:masterClrMapping/>
+  </p:clrMapOvr>
+</p:sld>
+</file>
+
+<file path=ppt/slides/slide9.xml><?xml version="1.0" encoding="utf-8"?>
+<p:sld xmlns:a="http://schemas.openxmlformats.org/drawingml/2006/main" xmlns:r="http://schemas.openxmlformats.org/officeDocument/2006/relationships" xmlns:p="http://schemas.openxmlformats.org/presentationml/2006/main">
+  <p:cSld>
+    <p:spTree>
+      <p:nvGrpSpPr>
+        <p:cNvPr id="1" name=""/>
+        <p:cNvGrpSpPr/>
+        <p:nvPr/>
+      </p:nvGrpSpPr>
+      <p:grpSpPr>
+        <a:xfrm>
+          <a:off x="0" y="0"/>
+          <a:ext cx="0" cy="0"/>
+          <a:chOff x="0" y="0"/>
+          <a:chExt cx="0" cy="0"/>
+        </a:xfrm>
+      </p:grpSpPr>
+      <p:sp>
+        <p:nvSpPr>
+          <p:cNvPr id="2" name="Title 1">
+            <a:extLst>
+              <a:ext uri="{FF2B5EF4-FFF2-40B4-BE49-F238E27FC236}">
+                <a16:creationId xmlns:a16="http://schemas.microsoft.com/office/drawing/2014/main" id="{F7407DE0-51FD-4C6D-93B7-1051DDF1C87C}"/>
+              </a:ext>
+            </a:extLst>
+          </p:cNvPr>
+          <p:cNvSpPr>
+            <a:spLocks noGrp="1"/>
+          </p:cNvSpPr>
+          <p:nvPr>
+            <p:ph type="title"/>
+          </p:nvPr>
+        </p:nvSpPr>
+        <p:spPr/>
+        <p:txBody>
+          <a:bodyPr/>
+          <a:lstStyle/>
+          <a:p>
+            <a:r>
+              <a:rPr lang="en-US" dirty="0"/>
+              <a:t>Future Development</a:t>
+            </a:r>
+          </a:p>
+        </p:txBody>
+      </p:sp>
+      <p:sp>
+        <p:nvSpPr>
+          <p:cNvPr id="3" name="Content Placeholder 2">
+            <a:extLst>
+              <a:ext uri="{FF2B5EF4-FFF2-40B4-BE49-F238E27FC236}">
+                <a16:creationId xmlns:a16="http://schemas.microsoft.com/office/drawing/2014/main" id="{372CA428-3E22-418B-9D82-00EEA929498A}"/>
+              </a:ext>
+            </a:extLst>
+          </p:cNvPr>
+          <p:cNvSpPr>
+            <a:spLocks noGrp="1"/>
+          </p:cNvSpPr>
+          <p:nvPr>
+            <p:ph idx="1"/>
+          </p:nvPr>
+        </p:nvSpPr>
+        <p:spPr/>
+        <p:txBody>
+          <a:bodyPr/>
+          <a:lstStyle/>
+          <a:p>
+            <a:endParaRPr lang="en-US"/>
+          </a:p>
+        </p:txBody>
+      </p:sp>
+    </p:spTree>
+    <p:extLst>
+      <p:ext uri="{BB962C8B-B14F-4D97-AF65-F5344CB8AC3E}">
+        <p14:creationId xmlns:p14="http://schemas.microsoft.com/office/powerpoint/2010/main" val="3955580305"/>
       </p:ext>
     </p:extLst>
   </p:cSld>
